--- a/_포트폴리오/최종/포트폴리오_신버전_송진규.pptx
+++ b/_포트폴리오/최종/포트폴리오_신버전_송진규.pptx
@@ -217,7 +217,7 @@
           <a:p>
             <a:fld id="{A997ED19-3D8B-4FA9-8E48-CE4C66C43079}" type="datetimeFigureOut">
               <a:rPr lang="ko-KR" altLang="en-US" smtClean="0"/>
-              <a:t>2019-01-30</a:t>
+              <a:t>2019-01-31</a:t>
             </a:fld>
             <a:endParaRPr lang="ko-KR" altLang="en-US"/>
           </a:p>
@@ -1086,7 +1086,7 @@
           <a:p>
             <a:fld id="{FB30EDBD-1C2D-4C1E-B459-B60219FAB484}" type="datetimeFigureOut">
               <a:rPr lang="ko-KR" altLang="en-US" smtClean="0"/>
-              <a:t>2019-01-30</a:t>
+              <a:t>2019-01-31</a:t>
             </a:fld>
             <a:endParaRPr lang="ko-KR" altLang="en-US"/>
           </a:p>
@@ -1256,7 +1256,7 @@
           <a:p>
             <a:fld id="{FB30EDBD-1C2D-4C1E-B459-B60219FAB484}" type="datetimeFigureOut">
               <a:rPr lang="ko-KR" altLang="en-US" smtClean="0"/>
-              <a:t>2019-01-30</a:t>
+              <a:t>2019-01-31</a:t>
             </a:fld>
             <a:endParaRPr lang="ko-KR" altLang="en-US"/>
           </a:p>
@@ -1436,7 +1436,7 @@
           <a:p>
             <a:fld id="{FB30EDBD-1C2D-4C1E-B459-B60219FAB484}" type="datetimeFigureOut">
               <a:rPr lang="ko-KR" altLang="en-US" smtClean="0"/>
-              <a:t>2019-01-30</a:t>
+              <a:t>2019-01-31</a:t>
             </a:fld>
             <a:endParaRPr lang="ko-KR" altLang="en-US"/>
           </a:p>
@@ -1606,7 +1606,7 @@
           <a:p>
             <a:fld id="{FB30EDBD-1C2D-4C1E-B459-B60219FAB484}" type="datetimeFigureOut">
               <a:rPr lang="ko-KR" altLang="en-US" smtClean="0"/>
-              <a:t>2019-01-30</a:t>
+              <a:t>2019-01-31</a:t>
             </a:fld>
             <a:endParaRPr lang="ko-KR" altLang="en-US"/>
           </a:p>
@@ -1852,7 +1852,7 @@
           <a:p>
             <a:fld id="{FB30EDBD-1C2D-4C1E-B459-B60219FAB484}" type="datetimeFigureOut">
               <a:rPr lang="ko-KR" altLang="en-US" smtClean="0"/>
-              <a:t>2019-01-30</a:t>
+              <a:t>2019-01-31</a:t>
             </a:fld>
             <a:endParaRPr lang="ko-KR" altLang="en-US"/>
           </a:p>
@@ -2140,7 +2140,7 @@
           <a:p>
             <a:fld id="{FB30EDBD-1C2D-4C1E-B459-B60219FAB484}" type="datetimeFigureOut">
               <a:rPr lang="ko-KR" altLang="en-US" smtClean="0"/>
-              <a:t>2019-01-30</a:t>
+              <a:t>2019-01-31</a:t>
             </a:fld>
             <a:endParaRPr lang="ko-KR" altLang="en-US"/>
           </a:p>
@@ -2562,7 +2562,7 @@
           <a:p>
             <a:fld id="{FB30EDBD-1C2D-4C1E-B459-B60219FAB484}" type="datetimeFigureOut">
               <a:rPr lang="ko-KR" altLang="en-US" smtClean="0"/>
-              <a:t>2019-01-30</a:t>
+              <a:t>2019-01-31</a:t>
             </a:fld>
             <a:endParaRPr lang="ko-KR" altLang="en-US"/>
           </a:p>
@@ -2680,7 +2680,7 @@
           <a:p>
             <a:fld id="{FB30EDBD-1C2D-4C1E-B459-B60219FAB484}" type="datetimeFigureOut">
               <a:rPr lang="ko-KR" altLang="en-US" smtClean="0"/>
-              <a:t>2019-01-30</a:t>
+              <a:t>2019-01-31</a:t>
             </a:fld>
             <a:endParaRPr lang="ko-KR" altLang="en-US"/>
           </a:p>
@@ -2775,7 +2775,7 @@
           <a:p>
             <a:fld id="{FB30EDBD-1C2D-4C1E-B459-B60219FAB484}" type="datetimeFigureOut">
               <a:rPr lang="ko-KR" altLang="en-US" smtClean="0"/>
-              <a:t>2019-01-30</a:t>
+              <a:t>2019-01-31</a:t>
             </a:fld>
             <a:endParaRPr lang="ko-KR" altLang="en-US"/>
           </a:p>
@@ -3052,7 +3052,7 @@
           <a:p>
             <a:fld id="{FB30EDBD-1C2D-4C1E-B459-B60219FAB484}" type="datetimeFigureOut">
               <a:rPr lang="ko-KR" altLang="en-US" smtClean="0"/>
-              <a:t>2019-01-30</a:t>
+              <a:t>2019-01-31</a:t>
             </a:fld>
             <a:endParaRPr lang="ko-KR" altLang="en-US"/>
           </a:p>
@@ -3305,7 +3305,7 @@
           <a:p>
             <a:fld id="{FB30EDBD-1C2D-4C1E-B459-B60219FAB484}" type="datetimeFigureOut">
               <a:rPr lang="ko-KR" altLang="en-US" smtClean="0"/>
-              <a:t>2019-01-30</a:t>
+              <a:t>2019-01-31</a:t>
             </a:fld>
             <a:endParaRPr lang="ko-KR" altLang="en-US"/>
           </a:p>
@@ -3518,7 +3518,7 @@
           <a:p>
             <a:fld id="{FB30EDBD-1C2D-4C1E-B459-B60219FAB484}" type="datetimeFigureOut">
               <a:rPr lang="ko-KR" altLang="en-US" smtClean="0"/>
-              <a:t>2019-01-30</a:t>
+              <a:t>2019-01-31</a:t>
             </a:fld>
             <a:endParaRPr lang="ko-KR" altLang="en-US"/>
           </a:p>
@@ -9969,7 +9969,7 @@
         </p:nvSpPr>
         <p:spPr>
           <a:xfrm>
-            <a:off x="5699777" y="2586390"/>
+            <a:off x="5748922" y="2577764"/>
             <a:ext cx="631904" cy="338554"/>
           </a:xfrm>
           <a:prstGeom prst="rect">
@@ -10157,7 +10157,7 @@
         </p:nvSpPr>
         <p:spPr>
           <a:xfrm>
-            <a:off x="6532384" y="1764190"/>
+            <a:off x="6532384" y="1820180"/>
             <a:ext cx="631904" cy="338554"/>
           </a:xfrm>
           <a:prstGeom prst="rect">
@@ -12711,16 +12711,16 @@
               <a:t>Worker </a:t>
             </a:r>
             <a:r>
-              <a:rPr lang="ko-KR" altLang="en-US" sz="1000" b="1" dirty="0" smtClean="0"/>
-              <a:t>구</a:t>
-            </a:r>
-            <a:r>
-              <a:rPr lang="ko-KR" altLang="en-US" sz="1000" b="1" dirty="0"/>
-              <a:t>조</a:t>
+              <a:rPr lang="ko-KR" altLang="en-US" sz="1000" b="1" dirty="0" err="1" smtClean="0"/>
+              <a:t>스레드</a:t>
             </a:r>
             <a:r>
               <a:rPr lang="ko-KR" altLang="en-US" sz="1000" b="1" dirty="0" smtClean="0"/>
               <a:t> </a:t>
+            </a:r>
+            <a:r>
+              <a:rPr lang="ko-KR" altLang="en-US" sz="1000" b="1" dirty="0" smtClean="0"/>
+              <a:t>구조 </a:t>
             </a:r>
             <a:r>
               <a:rPr lang="en-US" altLang="ko-KR" sz="1000" b="1" dirty="0" smtClean="0"/>
@@ -12753,6 +12753,10 @@
               <a:buFontTx/>
               <a:buChar char="-"/>
             </a:pPr>
+            <a:r>
+              <a:rPr lang="ko-KR" altLang="en-US" sz="1000" b="1" dirty="0" smtClean="0"/>
+              <a:t>단일 </a:t>
+            </a:r>
             <a:r>
               <a:rPr lang="en-US" altLang="ko-KR" sz="1000" b="1" dirty="0" smtClean="0"/>
               <a:t>Update </a:t>
@@ -20262,15 +20266,7 @@
                   <a:schemeClr val="tx1"/>
                 </a:solidFill>
               </a:rPr>
-              <a:t> </a:t>
-            </a:r>
-            <a:r>
-              <a:rPr lang="ko-KR" altLang="en-US" sz="900" b="1" dirty="0" smtClean="0">
-                <a:solidFill>
-                  <a:schemeClr val="tx1"/>
-                </a:solidFill>
-              </a:rPr>
-              <a:t>처리</a:t>
+              <a:t> 처리</a:t>
             </a:r>
             <a:endParaRPr lang="ko-KR" altLang="en-US" sz="900" b="1" dirty="0">
               <a:solidFill>
@@ -21707,15 +21703,7 @@
                   <a:schemeClr val="tx1"/>
                 </a:solidFill>
               </a:rPr>
-              <a:t> </a:t>
-            </a:r>
-            <a:r>
-              <a:rPr lang="ko-KR" altLang="en-US" sz="900" b="1" dirty="0" smtClean="0">
-                <a:solidFill>
-                  <a:schemeClr val="tx1"/>
-                </a:solidFill>
-              </a:rPr>
-              <a:t>처리</a:t>
+              <a:t> 처리</a:t>
             </a:r>
             <a:endParaRPr lang="ko-KR" altLang="en-US" sz="900" b="1" dirty="0">
               <a:solidFill>
@@ -23506,11 +23494,7 @@
             </a:r>
             <a:r>
               <a:rPr lang="en-US" altLang="ko-KR" sz="2000" b="1" dirty="0" smtClean="0"/>
-              <a:t>– </a:t>
-            </a:r>
-            <a:r>
-              <a:rPr lang="en-US" altLang="ko-KR" sz="2000" b="1" dirty="0" smtClean="0"/>
-              <a:t>HTTP </a:t>
+              <a:t>– HTTP </a:t>
             </a:r>
             <a:r>
               <a:rPr lang="ko-KR" altLang="en-US" sz="2000" b="1" dirty="0" smtClean="0"/>
@@ -23520,7 +23504,6 @@
               <a:rPr lang="ko-KR" altLang="en-US" sz="2000" b="1" dirty="0"/>
               <a:t>리</a:t>
             </a:r>
-            <a:endParaRPr lang="ko-KR" altLang="en-US" sz="2000" b="1" dirty="0"/>
           </a:p>
         </p:txBody>
       </p:sp>
@@ -24182,7 +24165,6 @@
               <a:rPr lang="en-US" altLang="ko-KR" sz="1000" dirty="0" smtClean="0"/>
               <a:t>HTTP Read Thread , HTTP Write Thread</a:t>
             </a:r>
-            <a:endParaRPr lang="en-US" altLang="ko-KR" sz="1000" dirty="0" smtClean="0"/>
           </a:p>
         </p:txBody>
       </p:sp>
@@ -24534,7 +24516,6 @@
               <a:rPr lang="en-US" altLang="ko-KR" sz="1200" dirty="0" smtClean="0"/>
               <a:t>Thread)</a:t>
             </a:r>
-            <a:endParaRPr lang="en-US" altLang="ko-KR" sz="1200" dirty="0" smtClean="0"/>
           </a:p>
         </p:txBody>
       </p:sp>
@@ -24765,7 +24746,6 @@
               <a:rPr lang="en-US" altLang="ko-KR" sz="1200" dirty="0" smtClean="0"/>
               <a:t>Thread)</a:t>
             </a:r>
-            <a:endParaRPr lang="en-US" altLang="ko-KR" sz="1200" dirty="0" smtClean="0"/>
           </a:p>
         </p:txBody>
       </p:sp>
@@ -24944,11 +24924,6 @@
               </a:rPr>
               <a:t>청</a:t>
             </a:r>
-            <a:endParaRPr lang="ko-KR" altLang="en-US" sz="900" b="1" dirty="0">
-              <a:solidFill>
-                <a:schemeClr val="tx1"/>
-              </a:solidFill>
-            </a:endParaRPr>
           </a:p>
         </p:txBody>
       </p:sp>
@@ -25605,6 +25580,77 @@
                 </a:solidFill>
               </a:rPr>
               <a:t>Block</a:t>
+            </a:r>
+            <a:endParaRPr lang="ko-KR" altLang="en-US" sz="900" dirty="0">
+              <a:solidFill>
+                <a:schemeClr val="tx1"/>
+              </a:solidFill>
+            </a:endParaRPr>
+          </a:p>
+        </p:txBody>
+      </p:sp>
+      <p:sp>
+        <p:nvSpPr>
+          <p:cNvPr id="27" name="모서리가 둥근 사각형 설명선 26"/>
+          <p:cNvSpPr/>
+          <p:nvPr/>
+        </p:nvSpPr>
+        <p:spPr>
+          <a:xfrm>
+            <a:off x="2449133" y="2599935"/>
+            <a:ext cx="1482418" cy="316024"/>
+          </a:xfrm>
+          <a:prstGeom prst="wedgeRoundRectCallout">
+            <a:avLst>
+              <a:gd name="adj1" fmla="val -44409"/>
+              <a:gd name="adj2" fmla="val 96073"/>
+              <a:gd name="adj3" fmla="val 16667"/>
+            </a:avLst>
+          </a:prstGeom>
+          <a:solidFill>
+            <a:schemeClr val="bg1"/>
+          </a:solidFill>
+          <a:ln w="3175">
+            <a:solidFill>
+              <a:schemeClr val="tx1"/>
+            </a:solidFill>
+          </a:ln>
+        </p:spPr>
+        <p:style>
+          <a:lnRef idx="2">
+            <a:schemeClr val="accent1">
+              <a:shade val="50000"/>
+            </a:schemeClr>
+          </a:lnRef>
+          <a:fillRef idx="1">
+            <a:schemeClr val="accent1"/>
+          </a:fillRef>
+          <a:effectRef idx="0">
+            <a:schemeClr val="accent1"/>
+          </a:effectRef>
+          <a:fontRef idx="minor">
+            <a:schemeClr val="lt1"/>
+          </a:fontRef>
+        </p:style>
+        <p:txBody>
+          <a:bodyPr lIns="91422" tIns="45711" rIns="91422" bIns="45711" rtlCol="0" anchor="ctr"/>
+          <a:lstStyle/>
+          <a:p>
+            <a:r>
+              <a:rPr lang="ko-KR" altLang="en-US" sz="900" dirty="0" smtClean="0">
+                <a:solidFill>
+                  <a:schemeClr val="tx1"/>
+                </a:solidFill>
+              </a:rPr>
+              <a:t>소비자에게 일을 전담시킨 후 다른 일을 한다</a:t>
+            </a:r>
+            <a:r>
+              <a:rPr lang="en-US" altLang="ko-KR" sz="900" dirty="0" smtClean="0">
+                <a:solidFill>
+                  <a:schemeClr val="tx1"/>
+                </a:solidFill>
+              </a:rPr>
+              <a:t>.</a:t>
             </a:r>
             <a:endParaRPr lang="ko-KR" altLang="en-US" sz="900" dirty="0">
               <a:solidFill>
@@ -25829,11 +25875,7 @@
             </a:pPr>
             <a:r>
               <a:rPr lang="ko-KR" altLang="en-US" sz="1000" dirty="0" smtClean="0"/>
-              <a:t>마이크로 세컨드 단위로 </a:t>
-            </a:r>
-            <a:r>
-              <a:rPr lang="ko-KR" altLang="en-US" sz="1000" dirty="0" smtClean="0"/>
-              <a:t>성능을 측정하는 </a:t>
+              <a:t>마이크로 세컨드 단위로 성능을 측정하는 </a:t>
             </a:r>
             <a:r>
               <a:rPr lang="ko-KR" altLang="en-US" sz="1000" dirty="0" err="1" smtClean="0"/>
@@ -25893,7 +25935,6 @@
               <a:rPr lang="en-US" altLang="ko-KR" sz="1000" dirty="0" smtClean="0"/>
               <a:t>.</a:t>
             </a:r>
-            <a:endParaRPr lang="en-US" altLang="ko-KR" sz="1000" dirty="0" smtClean="0"/>
           </a:p>
           <a:p>
             <a:pPr marL="171450" indent="-171450">
@@ -26171,8 +26212,8 @@
         </p:nvSpPr>
         <p:spPr>
           <a:xfrm>
-            <a:off x="5117924" y="2516742"/>
-            <a:ext cx="3401565" cy="1131282"/>
+            <a:off x="5076056" y="2516742"/>
+            <a:ext cx="3401565" cy="984266"/>
           </a:xfrm>
           <a:prstGeom prst="rect">
             <a:avLst/>
@@ -26217,8 +26258,8 @@
         </p:nvSpPr>
         <p:spPr>
           <a:xfrm>
-            <a:off x="5160114" y="2940294"/>
-            <a:ext cx="3286591" cy="586679"/>
+            <a:off x="5118246" y="2940295"/>
+            <a:ext cx="3286591" cy="432790"/>
           </a:xfrm>
           <a:prstGeom prst="roundRect">
             <a:avLst>
@@ -26268,8 +26309,8 @@
         </p:nvSpPr>
         <p:spPr>
           <a:xfrm>
-            <a:off x="5160114" y="2542116"/>
-            <a:ext cx="3142575" cy="984857"/>
+            <a:off x="5118246" y="2542116"/>
+            <a:ext cx="3142575" cy="830968"/>
           </a:xfrm>
           <a:prstGeom prst="rect">
             <a:avLst/>
@@ -26306,94 +26347,51 @@
             </a:r>
             <a:r>
               <a:rPr lang="en-US" altLang="ko-KR" sz="1000" dirty="0" smtClean="0"/>
-              <a:t>2</a:t>
+              <a:t>A</a:t>
             </a:r>
             <a:r>
               <a:rPr lang="ko-KR" altLang="en-US" sz="1000" dirty="0" smtClean="0"/>
-              <a:t>개 생성</a:t>
-            </a:r>
-            <a:endParaRPr lang="en-US" altLang="ko-KR" sz="1000" dirty="0" smtClean="0"/>
-          </a:p>
-          <a:p>
-            <a:pPr marL="171450" indent="-171450">
-              <a:buFontTx/>
-              <a:buChar char="-"/>
-            </a:pPr>
-            <a:r>
-              <a:rPr lang="ko-KR" altLang="en-US" sz="1000" dirty="0" err="1" smtClean="0"/>
-              <a:t>스레드</a:t>
+              <a:t>와 </a:t>
+            </a:r>
+            <a:r>
+              <a:rPr lang="en-US" altLang="ko-KR" sz="1000" dirty="0" smtClean="0"/>
+              <a:t>B</a:t>
+            </a:r>
+            <a:r>
+              <a:rPr lang="ko-KR" altLang="en-US" sz="1000" dirty="0" smtClean="0"/>
+              <a:t>가 각각</a:t>
             </a:r>
             <a:r>
               <a:rPr lang="ko-KR" altLang="en-US" sz="1000" dirty="0" smtClean="0"/>
               <a:t> </a:t>
             </a:r>
             <a:r>
-              <a:rPr lang="en-US" altLang="ko-KR" sz="1000" dirty="0"/>
-              <a:t>A</a:t>
-            </a:r>
-            <a:r>
-              <a:rPr lang="ko-KR" altLang="en-US" sz="1000" dirty="0"/>
-              <a:t>는 </a:t>
-            </a:r>
-            <a:r>
               <a:rPr lang="en-US" altLang="ko-KR" sz="1000" dirty="0" err="1"/>
               <a:t>printf</a:t>
             </a:r>
             <a:r>
-              <a:rPr lang="en-US" altLang="ko-KR" sz="1000" dirty="0"/>
+              <a:rPr lang="en-US" altLang="ko-KR" sz="1000" dirty="0" smtClean="0"/>
               <a:t>()</a:t>
             </a:r>
             <a:r>
-              <a:rPr lang="ko-KR" altLang="en-US" sz="1000" dirty="0"/>
-              <a:t>를 </a:t>
-            </a:r>
-            <a:r>
-              <a:rPr lang="en-US" altLang="ko-KR" sz="1000" dirty="0"/>
+              <a:rPr lang="en-US" altLang="ko-KR" sz="1000" dirty="0" smtClean="0"/>
+              <a:t>, </a:t>
+            </a:r>
+            <a:r>
+              <a:rPr lang="en-US" altLang="ko-KR" sz="1000" dirty="0" err="1" smtClean="0"/>
+              <a:t>cout</a:t>
+            </a:r>
+            <a:r>
+              <a:rPr lang="ko-KR" altLang="en-US" sz="1000" dirty="0" smtClean="0"/>
+              <a:t>을 </a:t>
+            </a:r>
+            <a:r>
+              <a:rPr lang="en-US" altLang="ko-KR" sz="1000" dirty="0" smtClean="0"/>
               <a:t>10</a:t>
             </a:r>
             <a:r>
-              <a:rPr lang="ko-KR" altLang="en-US" sz="1000" dirty="0"/>
-              <a:t>만회 호출 </a:t>
-            </a:r>
-            <a:r>
-              <a:rPr lang="en-US" altLang="ko-KR" sz="1000" dirty="0"/>
-              <a:t>/ </a:t>
-            </a:r>
-            <a:r>
-              <a:rPr lang="ko-KR" altLang="en-US" sz="1000" dirty="0" err="1"/>
-              <a:t>스레드</a:t>
-            </a:r>
-            <a:r>
-              <a:rPr lang="ko-KR" altLang="en-US" sz="1000" dirty="0"/>
-              <a:t> </a:t>
-            </a:r>
-            <a:r>
-              <a:rPr lang="en-US" altLang="ko-KR" sz="1000" dirty="0"/>
-              <a:t>B</a:t>
-            </a:r>
-            <a:r>
-              <a:rPr lang="ko-KR" altLang="en-US" sz="1000" dirty="0"/>
-              <a:t>는 </a:t>
-            </a:r>
-            <a:r>
-              <a:rPr lang="en-US" altLang="ko-KR" sz="1000" dirty="0" err="1"/>
-              <a:t>cout</a:t>
-            </a:r>
-            <a:r>
-              <a:rPr lang="ko-KR" altLang="en-US" sz="1000" dirty="0"/>
-              <a:t>을 </a:t>
-            </a:r>
-            <a:r>
-              <a:rPr lang="en-US" altLang="ko-KR" sz="1000" dirty="0"/>
-              <a:t>10</a:t>
-            </a:r>
-            <a:r>
-              <a:rPr lang="ko-KR" altLang="en-US" sz="1000" dirty="0"/>
-              <a:t>만회 </a:t>
-            </a:r>
-            <a:r>
               <a:rPr lang="ko-KR" altLang="en-US" sz="1000" dirty="0" smtClean="0"/>
-              <a:t>호출</a:t>
+              <a:t>만회 호출하는 상황</a:t>
             </a:r>
             <a:endParaRPr lang="en-US" altLang="ko-KR" sz="1000" dirty="0"/>
           </a:p>
@@ -26526,11 +26524,6 @@
               </a:rPr>
               <a:t>로 결과 저장</a:t>
             </a:r>
-            <a:endParaRPr lang="ko-KR" altLang="en-US" sz="900" dirty="0">
-              <a:solidFill>
-                <a:schemeClr val="tx1"/>
-              </a:solidFill>
-            </a:endParaRPr>
           </a:p>
         </p:txBody>
       </p:sp>
@@ -29281,11 +29274,7 @@
             </a:r>
             <a:r>
               <a:rPr lang="ko-KR" altLang="en-US" sz="1000" dirty="0" smtClean="0"/>
-              <a:t> 자료구조 </a:t>
-            </a:r>
-            <a:r>
-              <a:rPr lang="ko-KR" altLang="en-US" sz="1000" dirty="0" smtClean="0"/>
-              <a:t>제작</a:t>
+              <a:t> 자료구조 제작</a:t>
             </a:r>
             <a:endParaRPr lang="en-US" altLang="ko-KR" sz="1000" dirty="0" smtClean="0"/>
           </a:p>
@@ -30093,16 +30082,8 @@
               <a:t>(Ex. </a:t>
             </a:r>
             <a:r>
-              <a:rPr lang="ko-KR" altLang="en-US" sz="1000" dirty="0" smtClean="0"/>
-              <a:t>네트워크 모듈의 </a:t>
-            </a:r>
-            <a:r>
-              <a:rPr lang="en-US" altLang="ko-KR" sz="1000" dirty="0" err="1" smtClean="0"/>
-              <a:t>SendBuff</a:t>
-            </a:r>
-            <a:r>
               <a:rPr lang="en-US" altLang="ko-KR" sz="1000" dirty="0" smtClean="0"/>
-              <a:t> , </a:t>
+              <a:t> </a:t>
             </a:r>
             <a:r>
               <a:rPr lang="ko-KR" altLang="en-US" sz="1000" dirty="0" err="1" smtClean="0"/>
@@ -36755,15 +36736,7 @@
                   <a:schemeClr val="tx1"/>
                 </a:solidFill>
               </a:rPr>
-              <a:t>Scale </a:t>
-            </a:r>
-            <a:r>
-              <a:rPr lang="en-US" altLang="ko-KR" sz="900" dirty="0" smtClean="0">
-                <a:solidFill>
-                  <a:schemeClr val="tx1"/>
-                </a:solidFill>
-              </a:rPr>
-              <a:t>out</a:t>
+              <a:t>Scale out</a:t>
             </a:r>
             <a:r>
               <a:rPr lang="ko-KR" altLang="en-US" sz="900" dirty="0" smtClean="0">
@@ -38920,7 +38893,7 @@
           </a:xfrm>
           <a:prstGeom prst="wedgeRoundRectCallout">
             <a:avLst>
-              <a:gd name="adj1" fmla="val -80713"/>
+              <a:gd name="adj1" fmla="val -79577"/>
               <a:gd name="adj2" fmla="val 77170"/>
               <a:gd name="adj3" fmla="val 16667"/>
             </a:avLst>
@@ -39006,15 +38979,7 @@
                   <a:schemeClr val="tx1"/>
                 </a:solidFill>
               </a:rPr>
-              <a:t>(PK : </a:t>
-            </a:r>
-            <a:r>
-              <a:rPr lang="en-US" altLang="ko-KR" sz="900" b="1" dirty="0">
-                <a:solidFill>
-                  <a:schemeClr val="tx1"/>
-                </a:solidFill>
-              </a:rPr>
-              <a:t>Content </a:t>
+              <a:t>(PK : Content </a:t>
             </a:r>
             <a:r>
               <a:rPr lang="en-US" altLang="ko-KR" sz="900" b="1" dirty="0" smtClean="0">
@@ -39022,15 +38987,7 @@
                   <a:schemeClr val="tx1"/>
                 </a:solidFill>
               </a:rPr>
-              <a:t>DB </a:t>
-            </a:r>
-            <a:r>
-              <a:rPr lang="en-US" altLang="ko-KR" sz="900" b="1" dirty="0" smtClean="0">
-                <a:solidFill>
-                  <a:schemeClr val="tx1"/>
-                </a:solidFill>
-              </a:rPr>
-              <a:t>Number)</a:t>
+              <a:t>DB Number)</a:t>
             </a:r>
             <a:endParaRPr lang="ko-KR" altLang="en-US" sz="900" b="1" dirty="0">
               <a:solidFill>
@@ -39342,15 +39299,7 @@
                   <a:schemeClr val="tx1"/>
                 </a:solidFill>
               </a:rPr>
-              <a:t>(PK : </a:t>
-            </a:r>
-            <a:r>
-              <a:rPr lang="en-US" altLang="ko-KR" sz="900" b="1" dirty="0">
-                <a:solidFill>
-                  <a:schemeClr val="tx1"/>
-                </a:solidFill>
-              </a:rPr>
-              <a:t>Content </a:t>
+              <a:t>(PK : Content </a:t>
             </a:r>
             <a:r>
               <a:rPr lang="en-US" altLang="ko-KR" sz="900" b="1" dirty="0" smtClean="0">
@@ -40674,11 +40623,6 @@
               </a:rPr>
               <a:t>)</a:t>
             </a:r>
-            <a:endParaRPr lang="en-US" altLang="ko-KR" sz="900" b="1" dirty="0" smtClean="0">
-              <a:solidFill>
-                <a:schemeClr val="tx1"/>
-              </a:solidFill>
-            </a:endParaRPr>
           </a:p>
           <a:p>
             <a:pPr marL="228600" indent="-228600">
@@ -40788,11 +40732,6 @@
               </a:rPr>
               <a:t>)</a:t>
             </a:r>
-            <a:endParaRPr lang="en-US" altLang="ko-KR" sz="900" b="1" dirty="0" smtClean="0">
-              <a:solidFill>
-                <a:schemeClr val="tx1"/>
-              </a:solidFill>
-            </a:endParaRPr>
           </a:p>
           <a:p>
             <a:pPr marL="228600" indent="-228600">
@@ -42018,11 +41957,7 @@
             </a:pPr>
             <a:r>
               <a:rPr lang="ko-KR" altLang="en-US" sz="1000" dirty="0" smtClean="0"/>
-              <a:t>가상함수를 </a:t>
-            </a:r>
-            <a:r>
-              <a:rPr lang="ko-KR" altLang="en-US" sz="1000" dirty="0" smtClean="0"/>
-              <a:t>통</a:t>
+              <a:t>가상함수를 통</a:t>
             </a:r>
             <a:r>
               <a:rPr lang="ko-KR" altLang="en-US" sz="1000" dirty="0"/>
@@ -42030,11 +41965,7 @@
             </a:r>
             <a:r>
               <a:rPr lang="ko-KR" altLang="en-US" sz="1000" dirty="0" smtClean="0"/>
-              <a:t> </a:t>
-            </a:r>
-            <a:r>
-              <a:rPr lang="ko-KR" altLang="en-US" sz="1000" dirty="0" smtClean="0"/>
-              <a:t>이벤트 </a:t>
+              <a:t> 이벤트 </a:t>
             </a:r>
             <a:r>
               <a:rPr lang="ko-KR" altLang="en-US" sz="1000" dirty="0" err="1" smtClean="0"/>
